--- a/ML/HandsOn/11_2_2_비지도사전훈련.pptx
+++ b/ML/HandsOn/11_2_2_비지도사전훈련.pptx
@@ -9,6 +9,10 @@
     <p:sldId id="257" r:id="rId3"/>
     <p:sldId id="258" r:id="rId4"/>
     <p:sldId id="259" r:id="rId5"/>
+    <p:sldId id="260" r:id="rId6"/>
+    <p:sldId id="261" r:id="rId7"/>
+    <p:sldId id="263" r:id="rId8"/>
+    <p:sldId id="264" r:id="rId9"/>
   </p:sldIdLst>
   <p:sldSz cx="12192000" cy="6858000"/>
   <p:notesSz cx="6858000" cy="9144000"/>
@@ -107,6 +111,11 @@
       </a:defRPr>
     </a:lvl9pPr>
   </p:defaultTextStyle>
+  <p:extLst>
+    <p:ext uri="{EFAFB233-063F-42B5-8137-9DF3F51BA10A}">
+      <p15:sldGuideLst xmlns:p15="http://schemas.microsoft.com/office/powerpoint/2012/main"/>
+    </p:ext>
+  </p:extLst>
 </p:presentation>
 </file>
 
@@ -251,7 +260,7 @@
           <a:p>
             <a:fld id="{2395C5C9-164C-46B3-A87E-7660D39D3106}" type="datetime2">
               <a:rPr lang="en-US" smtClean="0"/>
-              <a:t>Monday, January 18, 2021</a:t>
+              <a:t>Tuesday, January 19, 2021</a:t>
             </a:fld>
             <a:endParaRPr lang="en-US" dirty="0"/>
           </a:p>
@@ -454,7 +463,7 @@
           <a:p>
             <a:fld id="{5B75179A-1E2B-41AB-B400-4F1B4022FAEE}" type="datetime2">
               <a:rPr lang="en-US" smtClean="0"/>
-              <a:t>Monday, January 18, 2021</a:t>
+              <a:t>Tuesday, January 19, 2021</a:t>
             </a:fld>
             <a:endParaRPr lang="en-US"/>
           </a:p>
@@ -667,7 +676,7 @@
           <a:p>
             <a:fld id="{05681D0F-6595-4F14-8EF3-954CD87C797B}" type="datetime2">
               <a:rPr lang="en-US" smtClean="0"/>
-              <a:t>Monday, January 18, 2021</a:t>
+              <a:t>Tuesday, January 19, 2021</a:t>
             </a:fld>
             <a:endParaRPr lang="en-US"/>
           </a:p>
@@ -869,7 +878,7 @@
           <a:p>
             <a:fld id="{4DDCFF8A-AAF8-4A12-8A91-9CA0EAF6CBB9}" type="datetime2">
               <a:rPr lang="en-US" smtClean="0"/>
-              <a:t>Monday, January 18, 2021</a:t>
+              <a:t>Tuesday, January 19, 2021</a:t>
             </a:fld>
             <a:endParaRPr lang="en-US" dirty="0"/>
           </a:p>
@@ -1148,7 +1157,7 @@
           <a:p>
             <a:fld id="{ABCC25C3-021A-4B0B-8F70-0C181FE1CF45}" type="datetime2">
               <a:rPr lang="en-US" smtClean="0"/>
-              <a:t>Monday, January 18, 2021</a:t>
+              <a:t>Tuesday, January 19, 2021</a:t>
             </a:fld>
             <a:endParaRPr lang="en-US"/>
           </a:p>
@@ -1408,7 +1417,7 @@
           <a:p>
             <a:fld id="{0C23D88D-8CEC-4ED9-A53B-5596187D9A16}" type="datetime2">
               <a:rPr lang="en-US" smtClean="0"/>
-              <a:t>Monday, January 18, 2021</a:t>
+              <a:t>Tuesday, January 19, 2021</a:t>
             </a:fld>
             <a:endParaRPr lang="en-US"/>
           </a:p>
@@ -1824,7 +1833,7 @@
           <a:p>
             <a:fld id="{D2CCD382-DFDA-4722-A27A-59C21AD112F2}" type="datetime2">
               <a:rPr lang="en-US" smtClean="0"/>
-              <a:t>Monday, January 18, 2021</a:t>
+              <a:t>Tuesday, January 19, 2021</a:t>
             </a:fld>
             <a:endParaRPr lang="en-US"/>
           </a:p>
@@ -1969,7 +1978,7 @@
           <a:p>
             <a:fld id="{22F2A30D-1C09-413F-AAB1-38F366000715}" type="datetime2">
               <a:rPr lang="en-US" smtClean="0"/>
-              <a:t>Monday, January 18, 2021</a:t>
+              <a:t>Tuesday, January 19, 2021</a:t>
             </a:fld>
             <a:endParaRPr lang="en-US"/>
           </a:p>
@@ -2091,7 +2100,7 @@
           <a:p>
             <a:fld id="{6DB82B9C-D65E-4F64-95C3-B10F3B00F0D9}" type="datetime2">
               <a:rPr lang="en-US" smtClean="0"/>
-              <a:t>Monday, January 18, 2021</a:t>
+              <a:t>Tuesday, January 19, 2021</a:t>
             </a:fld>
             <a:endParaRPr lang="en-US"/>
           </a:p>
@@ -2414,7 +2423,7 @@
           <a:p>
             <a:fld id="{B7F5FDCC-6AAC-4A08-B9E0-3793AB5E64C3}" type="datetime2">
               <a:rPr lang="en-US" smtClean="0"/>
-              <a:t>Monday, January 18, 2021</a:t>
+              <a:t>Tuesday, January 19, 2021</a:t>
             </a:fld>
             <a:endParaRPr lang="en-US"/>
           </a:p>
@@ -2702,7 +2711,7 @@
           <a:p>
             <a:fld id="{349FE94D-439C-40F1-900E-BC07940E3988}" type="datetime2">
               <a:rPr lang="en-US" smtClean="0"/>
-              <a:t>Monday, January 18, 2021</a:t>
+              <a:t>Tuesday, January 19, 2021</a:t>
             </a:fld>
             <a:endParaRPr lang="en-US"/>
           </a:p>
@@ -2986,7 +2995,7 @@
           <a:p>
             <a:fld id="{8DEA2CF1-0EB2-4673-802D-3371233E4A77}" type="datetime2">
               <a:rPr lang="en-US" smtClean="0"/>
-              <a:t>Monday, January 18, 2021</a:t>
+              <a:t>Tuesday, January 19, 2021</a:t>
             </a:fld>
             <a:endParaRPr lang="en-US" dirty="0"/>
           </a:p>
@@ -4477,7 +4486,22 @@
           <a:bodyPr/>
           <a:lstStyle/>
           <a:p>
-            <a:endParaRPr lang="ko-KR" altLang="en-US"/>
+            <a:r>
+              <a:rPr lang="ko-KR" altLang="en-US" dirty="0"/>
+              <a:t>데이터에서 스스로 레이블을 생성하고</a:t>
+            </a:r>
+            <a:r>
+              <a:rPr lang="en-US" altLang="ko-KR" dirty="0"/>
+              <a:t>, </a:t>
+            </a:r>
+            <a:r>
+              <a:rPr lang="ko-KR" altLang="en-US" dirty="0"/>
+              <a:t>지도 학습 기법으로 레이블 된 데이터를 훈련하는 방법</a:t>
+            </a:r>
+            <a:endParaRPr lang="en-US" altLang="ko-KR" dirty="0"/>
+          </a:p>
+          <a:p>
+            <a:endParaRPr lang="ko-KR" altLang="en-US" dirty="0"/>
           </a:p>
         </p:txBody>
       </p:sp>
@@ -4485,6 +4509,1879 @@
     <p:extLst>
       <p:ext uri="{BB962C8B-B14F-4D97-AF65-F5344CB8AC3E}">
         <p14:creationId xmlns:p14="http://schemas.microsoft.com/office/powerpoint/2010/main" val="2298152385"/>
+      </p:ext>
+    </p:extLst>
+  </p:cSld>
+  <p:clrMapOvr>
+    <a:masterClrMapping/>
+  </p:clrMapOvr>
+</p:sld>
+</file>
+
+<file path=ppt/slides/slide5.xml><?xml version="1.0" encoding="utf-8"?>
+<p:sld xmlns:a="http://schemas.openxmlformats.org/drawingml/2006/main" xmlns:r="http://schemas.openxmlformats.org/officeDocument/2006/relationships" xmlns:p="http://schemas.openxmlformats.org/presentationml/2006/main">
+  <p:cSld>
+    <p:spTree>
+      <p:nvGrpSpPr>
+        <p:cNvPr id="1" name=""/>
+        <p:cNvGrpSpPr/>
+        <p:nvPr/>
+      </p:nvGrpSpPr>
+      <p:grpSpPr>
+        <a:xfrm>
+          <a:off x="0" y="0"/>
+          <a:ext cx="0" cy="0"/>
+          <a:chOff x="0" y="0"/>
+          <a:chExt cx="0" cy="0"/>
+        </a:xfrm>
+      </p:grpSpPr>
+      <p:sp>
+        <p:nvSpPr>
+          <p:cNvPr id="2" name="제목 1">
+            <a:extLst>
+              <a:ext uri="{FF2B5EF4-FFF2-40B4-BE49-F238E27FC236}">
+                <a16:creationId xmlns:a16="http://schemas.microsoft.com/office/drawing/2014/main" id="{2616ECFE-E195-4C7B-9FEF-03FEC06B54B3}"/>
+              </a:ext>
+            </a:extLst>
+          </p:cNvPr>
+          <p:cNvSpPr>
+            <a:spLocks noGrp="1"/>
+          </p:cNvSpPr>
+          <p:nvPr>
+            <p:ph type="ctrTitle"/>
+          </p:nvPr>
+        </p:nvSpPr>
+        <p:spPr>
+          <a:xfrm>
+            <a:off x="720000" y="728663"/>
+            <a:ext cx="5015638" cy="2795738"/>
+          </a:xfrm>
+        </p:spPr>
+        <p:txBody>
+          <a:bodyPr>
+            <a:normAutofit/>
+          </a:bodyPr>
+          <a:lstStyle/>
+          <a:p>
+            <a:r>
+              <a:rPr lang="ko-KR" altLang="en-US" sz="4800"/>
+              <a:t>고속 </a:t>
+            </a:r>
+            <a:r>
+              <a:rPr lang="ko-KR" altLang="en-US" sz="4800" dirty="0" err="1"/>
+              <a:t>옵티마이저</a:t>
+            </a:r>
+            <a:endParaRPr lang="ko-KR" altLang="en-US" sz="4800" dirty="0"/>
+          </a:p>
+        </p:txBody>
+      </p:sp>
+      <p:sp>
+        <p:nvSpPr>
+          <p:cNvPr id="3" name="부제목 2">
+            <a:extLst>
+              <a:ext uri="{FF2B5EF4-FFF2-40B4-BE49-F238E27FC236}">
+                <a16:creationId xmlns:a16="http://schemas.microsoft.com/office/drawing/2014/main" id="{1437A939-4A85-4FD5-8D79-3851051B6187}"/>
+              </a:ext>
+            </a:extLst>
+          </p:cNvPr>
+          <p:cNvSpPr>
+            <a:spLocks noGrp="1"/>
+          </p:cNvSpPr>
+          <p:nvPr>
+            <p:ph type="subTitle" idx="1"/>
+          </p:nvPr>
+        </p:nvSpPr>
+        <p:spPr>
+          <a:xfrm>
+            <a:off x="359638" y="3830398"/>
+            <a:ext cx="5736362" cy="2298939"/>
+          </a:xfrm>
+        </p:spPr>
+        <p:txBody>
+          <a:bodyPr>
+            <a:normAutofit/>
+          </a:bodyPr>
+          <a:lstStyle/>
+          <a:p>
+            <a:endParaRPr lang="ko-KR" altLang="en-US" dirty="0"/>
+          </a:p>
+        </p:txBody>
+      </p:sp>
+      <p:pic>
+        <p:nvPicPr>
+          <p:cNvPr id="4" name="Picture 3">
+            <a:extLst>
+              <a:ext uri="{FF2B5EF4-FFF2-40B4-BE49-F238E27FC236}">
+                <a16:creationId xmlns:a16="http://schemas.microsoft.com/office/drawing/2014/main" id="{B32F6FC1-ABC7-4F3A-904B-84CF64CBED50}"/>
+              </a:ext>
+            </a:extLst>
+          </p:cNvPr>
+          <p:cNvPicPr>
+            <a:picLocks noChangeAspect="1"/>
+          </p:cNvPicPr>
+          <p:nvPr/>
+        </p:nvPicPr>
+        <p:blipFill rotWithShape="1">
+          <a:blip r:embed="rId2"/>
+          <a:srcRect l="17000" r="21449"/>
+          <a:stretch/>
+        </p:blipFill>
+        <p:spPr>
+          <a:xfrm>
+            <a:off x="6288276" y="10"/>
+            <a:ext cx="5903725" cy="6857990"/>
+          </a:xfrm>
+          <a:custGeom>
+            <a:avLst/>
+            <a:gdLst/>
+            <a:ahLst/>
+            <a:cxnLst/>
+            <a:rect l="l" t="t" r="r" b="b"/>
+            <a:pathLst>
+              <a:path w="5903725" h="6858000">
+                <a:moveTo>
+                  <a:pt x="17547" y="0"/>
+                </a:moveTo>
+                <a:lnTo>
+                  <a:pt x="5903725" y="0"/>
+                </a:lnTo>
+                <a:lnTo>
+                  <a:pt x="5903725" y="6858000"/>
+                </a:lnTo>
+                <a:lnTo>
+                  <a:pt x="57217" y="6858000"/>
+                </a:lnTo>
+                <a:lnTo>
+                  <a:pt x="57185" y="6699667"/>
+                </a:lnTo>
+                <a:cubicBezTo>
+                  <a:pt x="57923" y="6526851"/>
+                  <a:pt x="61039" y="6384211"/>
+                  <a:pt x="67005" y="6279216"/>
+                </a:cubicBezTo>
+                <a:cubicBezTo>
+                  <a:pt x="108514" y="5194623"/>
+                  <a:pt x="-44577" y="788432"/>
+                  <a:pt x="13203" y="42009"/>
+                </a:cubicBezTo>
+                <a:close/>
+              </a:path>
+            </a:pathLst>
+          </a:custGeom>
+        </p:spPr>
+      </p:pic>
+    </p:spTree>
+    <p:extLst>
+      <p:ext uri="{BB962C8B-B14F-4D97-AF65-F5344CB8AC3E}">
+        <p14:creationId xmlns:p14="http://schemas.microsoft.com/office/powerpoint/2010/main" val="3122352325"/>
+      </p:ext>
+    </p:extLst>
+  </p:cSld>
+  <p:clrMapOvr>
+    <a:masterClrMapping/>
+  </p:clrMapOvr>
+</p:sld>
+</file>
+
+<file path=ppt/slides/slide6.xml><?xml version="1.0" encoding="utf-8"?>
+<p:sld xmlns:a="http://schemas.openxmlformats.org/drawingml/2006/main" xmlns:r="http://schemas.openxmlformats.org/officeDocument/2006/relationships" xmlns:p="http://schemas.openxmlformats.org/presentationml/2006/main">
+  <p:cSld>
+    <p:spTree>
+      <p:nvGrpSpPr>
+        <p:cNvPr id="1" name=""/>
+        <p:cNvGrpSpPr/>
+        <p:nvPr/>
+      </p:nvGrpSpPr>
+      <p:grpSpPr>
+        <a:xfrm>
+          <a:off x="0" y="0"/>
+          <a:ext cx="0" cy="0"/>
+          <a:chOff x="0" y="0"/>
+          <a:chExt cx="0" cy="0"/>
+        </a:xfrm>
+      </p:grpSpPr>
+      <p:sp>
+        <p:nvSpPr>
+          <p:cNvPr id="2" name="제목 1">
+            <a:extLst>
+              <a:ext uri="{FF2B5EF4-FFF2-40B4-BE49-F238E27FC236}">
+                <a16:creationId xmlns:a16="http://schemas.microsoft.com/office/drawing/2014/main" id="{6F35713C-7523-4BE5-8BF0-E90C3D697D14}"/>
+              </a:ext>
+            </a:extLst>
+          </p:cNvPr>
+          <p:cNvSpPr>
+            <a:spLocks noGrp="1"/>
+          </p:cNvSpPr>
+          <p:nvPr>
+            <p:ph type="title"/>
+          </p:nvPr>
+        </p:nvSpPr>
+        <p:spPr>
+          <a:xfrm>
+            <a:off x="720000" y="619200"/>
+            <a:ext cx="10728322" cy="720000"/>
+          </a:xfrm>
+        </p:spPr>
+        <p:txBody>
+          <a:bodyPr/>
+          <a:lstStyle/>
+          <a:p>
+            <a:r>
+              <a:rPr lang="ko-KR" altLang="en-US" dirty="0"/>
+              <a:t>개요</a:t>
+            </a:r>
+          </a:p>
+        </p:txBody>
+      </p:sp>
+      <p:sp>
+        <p:nvSpPr>
+          <p:cNvPr id="3" name="내용 개체 틀 2">
+            <a:extLst>
+              <a:ext uri="{FF2B5EF4-FFF2-40B4-BE49-F238E27FC236}">
+                <a16:creationId xmlns:a16="http://schemas.microsoft.com/office/drawing/2014/main" id="{3BC12B0C-89A4-4F11-86D3-EA9B32152E74}"/>
+              </a:ext>
+            </a:extLst>
+          </p:cNvPr>
+          <p:cNvSpPr>
+            <a:spLocks noGrp="1"/>
+          </p:cNvSpPr>
+          <p:nvPr>
+            <p:ph idx="1"/>
+          </p:nvPr>
+        </p:nvSpPr>
+        <p:spPr>
+          <a:xfrm>
+            <a:off x="719999" y="1339196"/>
+            <a:ext cx="10800000" cy="4147203"/>
+          </a:xfrm>
+        </p:spPr>
+        <p:txBody>
+          <a:bodyPr/>
+          <a:lstStyle/>
+          <a:p>
+            <a:pPr latinLnBrk="1"/>
+            <a:r>
+              <a:rPr lang="ko-KR" altLang="en-US" sz="1600" dirty="0"/>
+              <a:t>큰 심층 신경망</a:t>
+            </a:r>
+            <a:r>
+              <a:rPr lang="en-US" altLang="ko-KR" sz="1600" dirty="0"/>
+              <a:t>(DNN)</a:t>
+            </a:r>
+            <a:r>
+              <a:rPr lang="ko-KR" altLang="en-US" sz="1600" dirty="0"/>
+              <a:t>의 훈련 속도는 느릴 수 있음 </a:t>
+            </a:r>
+            <a:r>
+              <a:rPr lang="en-US" altLang="ko-KR" sz="1600" dirty="0"/>
+              <a:t>(</a:t>
+            </a:r>
+            <a:r>
+              <a:rPr lang="ko-KR" altLang="en-US" sz="1600" dirty="0"/>
+              <a:t>수많은 파라미터들 때문</a:t>
+            </a:r>
+            <a:r>
+              <a:rPr lang="en-US" altLang="ko-KR" sz="1600" dirty="0"/>
+              <a:t>)</a:t>
+            </a:r>
+          </a:p>
+          <a:p>
+            <a:pPr latinLnBrk="1"/>
+            <a:r>
+              <a:rPr lang="ko-KR" altLang="en-US" sz="1600" dirty="0"/>
+              <a:t>훈련 속도를 높이는 방법</a:t>
+            </a:r>
+            <a:endParaRPr lang="en-US" altLang="ko-KR" sz="1600" dirty="0"/>
+          </a:p>
+          <a:p>
+            <a:pPr marL="800100" lvl="1" indent="-342900" latinLnBrk="1">
+              <a:buFont typeface="+mj-lt"/>
+              <a:buAutoNum type="arabicPeriod"/>
+            </a:pPr>
+            <a:r>
+              <a:rPr lang="ko-KR" altLang="en-US" sz="1600" dirty="0"/>
+              <a:t>가중치 초기화</a:t>
+            </a:r>
+            <a:endParaRPr lang="en-US" altLang="ko-KR" sz="1600" dirty="0"/>
+          </a:p>
+          <a:p>
+            <a:pPr marL="800100" lvl="1" indent="-342900" latinLnBrk="1">
+              <a:buFont typeface="+mj-lt"/>
+              <a:buAutoNum type="arabicPeriod"/>
+            </a:pPr>
+            <a:r>
+              <a:rPr lang="ko-KR" altLang="en-US" sz="1600" dirty="0"/>
+              <a:t>활성화 함수</a:t>
+            </a:r>
+            <a:endParaRPr lang="en-US" altLang="ko-KR" sz="1600" dirty="0"/>
+          </a:p>
+          <a:p>
+            <a:pPr marL="800100" lvl="1" indent="-342900" latinLnBrk="1">
+              <a:buFont typeface="+mj-lt"/>
+              <a:buAutoNum type="arabicPeriod"/>
+            </a:pPr>
+            <a:r>
+              <a:rPr lang="ko-KR" altLang="en-US" sz="1600" dirty="0"/>
+              <a:t>배치 정규화</a:t>
+            </a:r>
+            <a:endParaRPr lang="en-US" altLang="ko-KR" sz="1600" dirty="0"/>
+          </a:p>
+          <a:p>
+            <a:pPr marL="800100" lvl="1" indent="-342900" latinLnBrk="1">
+              <a:buFont typeface="+mj-lt"/>
+              <a:buAutoNum type="arabicPeriod"/>
+            </a:pPr>
+            <a:r>
+              <a:rPr lang="ko-KR" altLang="en-US" sz="1600" dirty="0"/>
+              <a:t>사전훈련 층 재사용</a:t>
+            </a:r>
+            <a:endParaRPr lang="en-US" altLang="ko-KR" sz="1600" dirty="0"/>
+          </a:p>
+          <a:p>
+            <a:pPr marL="800100" lvl="1" indent="-342900" latinLnBrk="1">
+              <a:buFont typeface="+mj-lt"/>
+              <a:buAutoNum type="arabicPeriod"/>
+            </a:pPr>
+            <a:r>
+              <a:rPr lang="ko-KR" altLang="en-US" sz="1600" b="1" dirty="0">
+                <a:solidFill>
+                  <a:srgbClr val="FFFF00">
+                    <a:alpha val="58000"/>
+                  </a:srgbClr>
+                </a:solidFill>
+              </a:rPr>
+              <a:t>표준적인 </a:t>
+            </a:r>
+            <a:r>
+              <a:rPr lang="ko-KR" altLang="en-US" sz="1600" b="1" dirty="0" err="1">
+                <a:solidFill>
+                  <a:srgbClr val="FFFF00">
+                    <a:alpha val="58000"/>
+                  </a:srgbClr>
+                </a:solidFill>
+              </a:rPr>
+              <a:t>경사하강법</a:t>
+            </a:r>
+            <a:r>
+              <a:rPr lang="ko-KR" altLang="en-US" sz="1600" b="1" dirty="0">
+                <a:solidFill>
+                  <a:srgbClr val="FFFF00">
+                    <a:alpha val="58000"/>
+                  </a:srgbClr>
+                </a:solidFill>
+              </a:rPr>
+              <a:t> </a:t>
+            </a:r>
+            <a:r>
+              <a:rPr lang="ko-KR" altLang="en-US" sz="1600" b="1" dirty="0" err="1">
+                <a:solidFill>
+                  <a:srgbClr val="FFFF00">
+                    <a:alpha val="58000"/>
+                  </a:srgbClr>
+                </a:solidFill>
+              </a:rPr>
+              <a:t>옵티마이저</a:t>
+            </a:r>
+            <a:r>
+              <a:rPr lang="ko-KR" altLang="en-US" sz="1600" b="1" dirty="0">
+                <a:solidFill>
+                  <a:srgbClr val="FFFF00">
+                    <a:alpha val="58000"/>
+                  </a:srgbClr>
+                </a:solidFill>
+              </a:rPr>
+              <a:t> </a:t>
+            </a:r>
+            <a:r>
+              <a:rPr lang="en-US" altLang="ko-KR" sz="1600" b="1" dirty="0">
+                <a:solidFill>
+                  <a:srgbClr val="FFFF00">
+                    <a:alpha val="58000"/>
+                  </a:srgbClr>
+                </a:solidFill>
+                <a:sym typeface="Wingdings" panose="05000000000000000000" pitchFamily="2" charset="2"/>
+              </a:rPr>
+              <a:t> </a:t>
+            </a:r>
+            <a:r>
+              <a:rPr lang="ko-KR" altLang="en-US" sz="1600" b="1" dirty="0">
+                <a:solidFill>
+                  <a:srgbClr val="FFFF00">
+                    <a:alpha val="58000"/>
+                  </a:srgbClr>
+                </a:solidFill>
+                <a:sym typeface="Wingdings" panose="05000000000000000000" pitchFamily="2" charset="2"/>
+              </a:rPr>
+              <a:t>모멘텀 최적화</a:t>
+            </a:r>
+            <a:r>
+              <a:rPr lang="en-US" altLang="ko-KR" sz="1600" b="1" dirty="0">
+                <a:solidFill>
+                  <a:srgbClr val="FFFF00">
+                    <a:alpha val="58000"/>
+                  </a:srgbClr>
+                </a:solidFill>
+                <a:sym typeface="Wingdings" panose="05000000000000000000" pitchFamily="2" charset="2"/>
+              </a:rPr>
+              <a:t>, </a:t>
+            </a:r>
+            <a:r>
+              <a:rPr lang="ko-KR" altLang="en-US" sz="1600" b="1" dirty="0" err="1">
+                <a:solidFill>
+                  <a:srgbClr val="FFFF00">
+                    <a:alpha val="58000"/>
+                  </a:srgbClr>
+                </a:solidFill>
+                <a:sym typeface="Wingdings" panose="05000000000000000000" pitchFamily="2" charset="2"/>
+              </a:rPr>
+              <a:t>네스테로프</a:t>
+            </a:r>
+            <a:r>
+              <a:rPr lang="ko-KR" altLang="en-US" sz="1600" b="1" dirty="0">
+                <a:solidFill>
+                  <a:srgbClr val="FFFF00">
+                    <a:alpha val="58000"/>
+                  </a:srgbClr>
+                </a:solidFill>
+                <a:sym typeface="Wingdings" panose="05000000000000000000" pitchFamily="2" charset="2"/>
+              </a:rPr>
+              <a:t> 가속경사</a:t>
+            </a:r>
+            <a:r>
+              <a:rPr lang="en-US" altLang="ko-KR" sz="1600" b="1" dirty="0">
+                <a:solidFill>
+                  <a:srgbClr val="FFFF00">
+                    <a:alpha val="58000"/>
+                  </a:srgbClr>
+                </a:solidFill>
+                <a:sym typeface="Wingdings" panose="05000000000000000000" pitchFamily="2" charset="2"/>
+              </a:rPr>
+              <a:t>, </a:t>
+            </a:r>
+            <a:r>
+              <a:rPr lang="en-US" altLang="ko-KR" sz="1600" b="1" dirty="0" err="1">
+                <a:solidFill>
+                  <a:srgbClr val="FFFF00">
+                    <a:alpha val="58000"/>
+                  </a:srgbClr>
+                </a:solidFill>
+                <a:sym typeface="Wingdings" panose="05000000000000000000" pitchFamily="2" charset="2"/>
+              </a:rPr>
+              <a:t>AdaGrad</a:t>
+            </a:r>
+            <a:r>
+              <a:rPr lang="en-US" altLang="ko-KR" sz="1600" b="1" dirty="0">
+                <a:solidFill>
+                  <a:srgbClr val="FFFF00">
+                    <a:alpha val="58000"/>
+                  </a:srgbClr>
+                </a:solidFill>
+                <a:sym typeface="Wingdings" panose="05000000000000000000" pitchFamily="2" charset="2"/>
+              </a:rPr>
+              <a:t>, </a:t>
+            </a:r>
+            <a:r>
+              <a:rPr lang="en-US" altLang="ko-KR" sz="1600" b="1" dirty="0" err="1">
+                <a:solidFill>
+                  <a:srgbClr val="FFFF00">
+                    <a:alpha val="58000"/>
+                  </a:srgbClr>
+                </a:solidFill>
+                <a:sym typeface="Wingdings" panose="05000000000000000000" pitchFamily="2" charset="2"/>
+              </a:rPr>
+              <a:t>RMSProp</a:t>
+            </a:r>
+            <a:r>
+              <a:rPr lang="en-US" altLang="ko-KR" sz="1600" b="1" dirty="0">
+                <a:solidFill>
+                  <a:srgbClr val="FFFF00">
+                    <a:alpha val="58000"/>
+                  </a:srgbClr>
+                </a:solidFill>
+                <a:sym typeface="Wingdings" panose="05000000000000000000" pitchFamily="2" charset="2"/>
+              </a:rPr>
+              <a:t>, Adam, </a:t>
+            </a:r>
+            <a:r>
+              <a:rPr lang="en-US" altLang="ko-KR" sz="1600" b="1" dirty="0" err="1">
+                <a:solidFill>
+                  <a:srgbClr val="FFFF00">
+                    <a:alpha val="58000"/>
+                  </a:srgbClr>
+                </a:solidFill>
+                <a:sym typeface="Wingdings" panose="05000000000000000000" pitchFamily="2" charset="2"/>
+              </a:rPr>
+              <a:t>Nadam</a:t>
+            </a:r>
+            <a:endParaRPr lang="ko-KR" altLang="en-US" sz="1600" b="1" dirty="0">
+              <a:solidFill>
+                <a:srgbClr val="FFFF00">
+                  <a:alpha val="58000"/>
+                </a:srgbClr>
+              </a:solidFill>
+            </a:endParaRPr>
+          </a:p>
+        </p:txBody>
+      </p:sp>
+    </p:spTree>
+    <p:extLst>
+      <p:ext uri="{BB962C8B-B14F-4D97-AF65-F5344CB8AC3E}">
+        <p14:creationId xmlns:p14="http://schemas.microsoft.com/office/powerpoint/2010/main" val="1593121264"/>
+      </p:ext>
+    </p:extLst>
+  </p:cSld>
+  <p:clrMapOvr>
+    <a:masterClrMapping/>
+  </p:clrMapOvr>
+</p:sld>
+</file>
+
+<file path=ppt/slides/slide7.xml><?xml version="1.0" encoding="utf-8"?>
+<p:sld xmlns:a="http://schemas.openxmlformats.org/drawingml/2006/main" xmlns:r="http://schemas.openxmlformats.org/officeDocument/2006/relationships" xmlns:p="http://schemas.openxmlformats.org/presentationml/2006/main">
+  <p:cSld>
+    <p:spTree>
+      <p:nvGrpSpPr>
+        <p:cNvPr id="1" name=""/>
+        <p:cNvGrpSpPr/>
+        <p:nvPr/>
+      </p:nvGrpSpPr>
+      <p:grpSpPr>
+        <a:xfrm>
+          <a:off x="0" y="0"/>
+          <a:ext cx="0" cy="0"/>
+          <a:chOff x="0" y="0"/>
+          <a:chExt cx="0" cy="0"/>
+        </a:xfrm>
+      </p:grpSpPr>
+      <p:sp>
+        <p:nvSpPr>
+          <p:cNvPr id="2" name="제목 1">
+            <a:extLst>
+              <a:ext uri="{FF2B5EF4-FFF2-40B4-BE49-F238E27FC236}">
+                <a16:creationId xmlns:a16="http://schemas.microsoft.com/office/drawing/2014/main" id="{6F35713C-7523-4BE5-8BF0-E90C3D697D14}"/>
+              </a:ext>
+            </a:extLst>
+          </p:cNvPr>
+          <p:cNvSpPr>
+            <a:spLocks noGrp="1"/>
+          </p:cNvSpPr>
+          <p:nvPr>
+            <p:ph type="title"/>
+          </p:nvPr>
+        </p:nvSpPr>
+        <p:spPr>
+          <a:xfrm>
+            <a:off x="720000" y="619200"/>
+            <a:ext cx="10728322" cy="720000"/>
+          </a:xfrm>
+        </p:spPr>
+        <p:txBody>
+          <a:bodyPr/>
+          <a:lstStyle/>
+          <a:p>
+            <a:r>
+              <a:rPr lang="en-US" altLang="ko-KR" dirty="0"/>
+              <a:t>11.3.1.</a:t>
+            </a:r>
+            <a:r>
+              <a:rPr lang="ko-KR" altLang="en-US" dirty="0"/>
+              <a:t> 모멘텀 최적화</a:t>
+            </a:r>
+          </a:p>
+        </p:txBody>
+      </p:sp>
+      <mc:AlternateContent xmlns:mc="http://schemas.openxmlformats.org/markup-compatibility/2006">
+        <mc:Choice xmlns:a14="http://schemas.microsoft.com/office/drawing/2010/main" Requires="a14">
+          <p:sp>
+            <p:nvSpPr>
+              <p:cNvPr id="3" name="내용 개체 틀 2">
+                <a:extLst>
+                  <a:ext uri="{FF2B5EF4-FFF2-40B4-BE49-F238E27FC236}">
+                    <a16:creationId xmlns:a16="http://schemas.microsoft.com/office/drawing/2014/main" id="{3BC12B0C-89A4-4F11-86D3-EA9B32152E74}"/>
+                  </a:ext>
+                </a:extLst>
+              </p:cNvPr>
+              <p:cNvSpPr>
+                <a:spLocks noGrp="1"/>
+              </p:cNvSpPr>
+              <p:nvPr>
+                <p:ph idx="1"/>
+              </p:nvPr>
+            </p:nvSpPr>
+            <p:spPr>
+              <a:xfrm>
+                <a:off x="719999" y="1339195"/>
+                <a:ext cx="7579939" cy="5158319"/>
+              </a:xfrm>
+            </p:spPr>
+            <p:txBody>
+              <a:bodyPr/>
+              <a:lstStyle/>
+              <a:p>
+                <a:pPr marL="228600" marR="0" lvl="0" indent="-228600" algn="l" defTabSz="914400" rtl="0" eaLnBrk="1" fontAlgn="auto" latinLnBrk="1" hangingPunct="1">
+                  <a:lnSpc>
+                    <a:spcPct val="120000"/>
+                  </a:lnSpc>
+                  <a:spcBef>
+                    <a:spcPts val="1000"/>
+                  </a:spcBef>
+                  <a:spcAft>
+                    <a:spcPts val="0"/>
+                  </a:spcAft>
+                  <a:buClr>
+                    <a:srgbClr val="A0A873"/>
+                  </a:buClr>
+                  <a:buSzTx/>
+                  <a:buFont typeface="The Hand Extrablack" panose="03070A02030502020204" pitchFamily="66" charset="0"/>
+                  <a:buChar char="•"/>
+                  <a:tabLst/>
+                  <a:defRPr/>
+                </a:pPr>
+                <a:r>
+                  <a:rPr lang="ko-KR" altLang="en-US" sz="1600" dirty="0">
+                    <a:solidFill>
+                      <a:srgbClr val="FFFFFF">
+                        <a:alpha val="58000"/>
+                      </a:srgbClr>
+                    </a:solidFill>
+                    <a:latin typeface="Malgun Gothic"/>
+                  </a:rPr>
+                  <a:t>표준적인 </a:t>
+                </a:r>
+                <a:r>
+                  <a:rPr lang="ko-KR" altLang="en-US" sz="1600" dirty="0" err="1">
+                    <a:solidFill>
+                      <a:srgbClr val="FFFFFF">
+                        <a:alpha val="58000"/>
+                      </a:srgbClr>
+                    </a:solidFill>
+                    <a:latin typeface="Malgun Gothic"/>
+                  </a:rPr>
+                  <a:t>경사하강법</a:t>
+                </a:r>
+                <a:r>
+                  <a:rPr lang="en-US" altLang="ko-KR" sz="1600" dirty="0">
+                    <a:solidFill>
+                      <a:srgbClr val="FFFFFF">
+                        <a:alpha val="58000"/>
+                      </a:srgbClr>
+                    </a:solidFill>
+                    <a:latin typeface="Malgun Gothic"/>
+                  </a:rPr>
+                  <a:t>: </a:t>
+                </a:r>
+                <a:r>
+                  <a:rPr lang="ko-KR" altLang="en-US" sz="1600" dirty="0">
+                    <a:solidFill>
+                      <a:srgbClr val="FFFFFF">
+                        <a:alpha val="58000"/>
+                      </a:srgbClr>
+                    </a:solidFill>
+                    <a:latin typeface="Malgun Gothic"/>
+                  </a:rPr>
+                  <a:t>경사면을 따라 일정한 크기로 조금씩 </a:t>
+                </a:r>
+                <a:r>
+                  <a:rPr lang="ko-KR" altLang="en-US" sz="1600" dirty="0" err="1">
+                    <a:solidFill>
+                      <a:srgbClr val="FFFFFF">
+                        <a:alpha val="58000"/>
+                      </a:srgbClr>
+                    </a:solidFill>
+                    <a:latin typeface="Malgun Gothic"/>
+                  </a:rPr>
+                  <a:t>내려감</a:t>
+                </a:r>
+                <a:endParaRPr lang="en-US" altLang="ko-KR" sz="1600" dirty="0">
+                  <a:solidFill>
+                    <a:srgbClr val="FFFFFF">
+                      <a:alpha val="58000"/>
+                    </a:srgbClr>
+                  </a:solidFill>
+                  <a:latin typeface="Malgun Gothic"/>
+                </a:endParaRPr>
+              </a:p>
+              <a:p>
+                <a:pPr marR="0" lvl="0" algn="l" defTabSz="914400" rtl="0" eaLnBrk="1" fontAlgn="auto" latinLnBrk="1" hangingPunct="1">
+                  <a:lnSpc>
+                    <a:spcPct val="120000"/>
+                  </a:lnSpc>
+                  <a:spcBef>
+                    <a:spcPts val="1000"/>
+                  </a:spcBef>
+                  <a:spcAft>
+                    <a:spcPts val="0"/>
+                  </a:spcAft>
+                  <a:buClr>
+                    <a:srgbClr val="A0A873"/>
+                  </a:buClr>
+                  <a:buSzTx/>
+                  <a:buFont typeface="Wingdings" panose="05000000000000000000" pitchFamily="2" charset="2"/>
+                  <a:buChar char="è"/>
+                  <a:tabLst/>
+                  <a:defRPr/>
+                </a:pPr>
+                <a:r>
+                  <a:rPr lang="ko-KR" altLang="en-US" sz="1600" dirty="0">
+                    <a:solidFill>
+                      <a:srgbClr val="FFFFFF">
+                        <a:alpha val="58000"/>
+                      </a:srgbClr>
+                    </a:solidFill>
+                    <a:latin typeface="Malgun Gothic"/>
+                    <a:sym typeface="Wingdings" panose="05000000000000000000" pitchFamily="2" charset="2"/>
+                  </a:rPr>
+                  <a:t>최적 해에 도달하는 데 시간이 오래 걸림</a:t>
+                </a:r>
+                <a:endParaRPr lang="en-US" altLang="ko-KR" sz="1600" dirty="0">
+                  <a:solidFill>
+                    <a:srgbClr val="FFFFFF">
+                      <a:alpha val="58000"/>
+                    </a:srgbClr>
+                  </a:solidFill>
+                  <a:latin typeface="Malgun Gothic"/>
+                  <a:sym typeface="Wingdings" panose="05000000000000000000" pitchFamily="2" charset="2"/>
+                </a:endParaRPr>
+              </a:p>
+              <a:p>
+                <a:pPr marL="0" marR="0" lvl="0" indent="0" algn="l" defTabSz="914400" rtl="0" eaLnBrk="1" fontAlgn="auto" latinLnBrk="1" hangingPunct="1">
+                  <a:lnSpc>
+                    <a:spcPct val="120000"/>
+                  </a:lnSpc>
+                  <a:spcBef>
+                    <a:spcPts val="1000"/>
+                  </a:spcBef>
+                  <a:spcAft>
+                    <a:spcPts val="0"/>
+                  </a:spcAft>
+                  <a:buClr>
+                    <a:srgbClr val="A0A873"/>
+                  </a:buClr>
+                  <a:buSzTx/>
+                  <a:buNone/>
+                  <a:tabLst/>
+                  <a:defRPr/>
+                </a:pPr>
+                <a:endParaRPr lang="en-US" altLang="ko-KR" sz="1600" dirty="0">
+                  <a:solidFill>
+                    <a:srgbClr val="FFFFFF">
+                      <a:alpha val="58000"/>
+                    </a:srgbClr>
+                  </a:solidFill>
+                  <a:latin typeface="Malgun Gothic"/>
+                  <a:sym typeface="Wingdings" panose="05000000000000000000" pitchFamily="2" charset="2"/>
+                </a:endParaRPr>
+              </a:p>
+              <a:p>
+                <a:pPr latinLnBrk="1">
+                  <a:buClr>
+                    <a:srgbClr val="A0A873"/>
+                  </a:buClr>
+                  <a:defRPr/>
+                </a:pPr>
+                <a:r>
+                  <a:rPr lang="ko-KR" altLang="en-US" sz="1600" dirty="0">
+                    <a:solidFill>
+                      <a:srgbClr val="FFFFFF">
+                        <a:alpha val="58000"/>
+                      </a:srgbClr>
+                    </a:solidFill>
+                    <a:latin typeface="Malgun Gothic"/>
+                    <a:sym typeface="Wingdings" panose="05000000000000000000" pitchFamily="2" charset="2"/>
+                  </a:rPr>
+                  <a:t>모멘텀 최적화</a:t>
+                </a:r>
+                <a:r>
+                  <a:rPr lang="en-US" altLang="ko-KR" sz="1600" dirty="0">
+                    <a:solidFill>
+                      <a:srgbClr val="FFFFFF">
+                        <a:alpha val="58000"/>
+                      </a:srgbClr>
+                    </a:solidFill>
+                    <a:latin typeface="Malgun Gothic"/>
+                    <a:sym typeface="Wingdings" panose="05000000000000000000" pitchFamily="2" charset="2"/>
+                  </a:rPr>
+                  <a:t>: </a:t>
+                </a:r>
+                <a:r>
+                  <a:rPr lang="ko-KR" altLang="en-US" sz="1600" dirty="0">
+                    <a:solidFill>
+                      <a:srgbClr val="FFFFFF">
+                        <a:alpha val="58000"/>
+                      </a:srgbClr>
+                    </a:solidFill>
+                    <a:latin typeface="Malgun Gothic"/>
+                    <a:sym typeface="Wingdings" panose="05000000000000000000" pitchFamily="2" charset="2"/>
+                  </a:rPr>
+                  <a:t>이전 </a:t>
+                </a:r>
+                <a:r>
+                  <a:rPr lang="ko-KR" altLang="en-US" sz="1600" dirty="0" err="1">
+                    <a:solidFill>
+                      <a:srgbClr val="FFFFFF">
+                        <a:alpha val="58000"/>
+                      </a:srgbClr>
+                    </a:solidFill>
+                    <a:latin typeface="Malgun Gothic"/>
+                    <a:sym typeface="Wingdings" panose="05000000000000000000" pitchFamily="2" charset="2"/>
+                  </a:rPr>
+                  <a:t>그래디언트</a:t>
+                </a:r>
+                <a:r>
+                  <a:rPr lang="en-US" altLang="ko-KR" sz="1600" dirty="0">
+                    <a:solidFill>
+                      <a:srgbClr val="FFFFFF">
+                        <a:alpha val="58000"/>
+                      </a:srgbClr>
+                    </a:solidFill>
+                    <a:latin typeface="Malgun Gothic"/>
+                    <a:sym typeface="Wingdings" panose="05000000000000000000" pitchFamily="2" charset="2"/>
+                  </a:rPr>
+                  <a:t>(</a:t>
+                </a:r>
+                <a:r>
+                  <a:rPr lang="ko-KR" altLang="en-US" sz="1600" dirty="0">
+                    <a:solidFill>
+                      <a:srgbClr val="FFFFFF">
+                        <a:alpha val="58000"/>
+                      </a:srgbClr>
+                    </a:solidFill>
+                    <a:latin typeface="Malgun Gothic"/>
+                    <a:sym typeface="Wingdings" panose="05000000000000000000" pitchFamily="2" charset="2"/>
+                  </a:rPr>
+                  <a:t>비용함수의 </a:t>
+                </a:r>
+                <a:r>
+                  <a:rPr lang="ko-KR" altLang="en-US" sz="1600" dirty="0" err="1">
+                    <a:solidFill>
+                      <a:srgbClr val="FFFFFF">
+                        <a:alpha val="58000"/>
+                      </a:srgbClr>
+                    </a:solidFill>
+                    <a:latin typeface="Malgun Gothic"/>
+                    <a:sym typeface="Wingdings" panose="05000000000000000000" pitchFamily="2" charset="2"/>
+                  </a:rPr>
+                  <a:t>그래디언트</a:t>
+                </a:r>
+                <a:r>
+                  <a:rPr lang="en-US" altLang="ko-KR" sz="1600" dirty="0">
+                    <a:solidFill>
+                      <a:srgbClr val="FFFFFF">
+                        <a:alpha val="58000"/>
+                      </a:srgbClr>
+                    </a:solidFill>
+                    <a:latin typeface="Malgun Gothic"/>
+                    <a:sym typeface="Wingdings" panose="05000000000000000000" pitchFamily="2" charset="2"/>
+                  </a:rPr>
+                  <a:t>)</a:t>
+                </a:r>
+                <a:r>
+                  <a:rPr lang="ko-KR" altLang="en-US" sz="1600" dirty="0">
+                    <a:solidFill>
+                      <a:srgbClr val="FFFFFF">
+                        <a:alpha val="58000"/>
+                      </a:srgbClr>
+                    </a:solidFill>
+                    <a:latin typeface="Malgun Gothic"/>
+                    <a:sym typeface="Wingdings" panose="05000000000000000000" pitchFamily="2" charset="2"/>
+                  </a:rPr>
+                  <a:t>를 다음 학습에 반영</a:t>
+                </a:r>
+                <a:endParaRPr lang="en-US" altLang="ko-KR" sz="1600" dirty="0">
+                  <a:solidFill>
+                    <a:srgbClr val="FFFFFF">
+                      <a:alpha val="58000"/>
+                    </a:srgbClr>
+                  </a:solidFill>
+                  <a:latin typeface="Malgun Gothic"/>
+                  <a:sym typeface="Wingdings" panose="05000000000000000000" pitchFamily="2" charset="2"/>
+                </a:endParaRPr>
+              </a:p>
+              <a:p>
+                <a:pPr latinLnBrk="1">
+                  <a:buClr>
+                    <a:srgbClr val="A0A873"/>
+                  </a:buClr>
+                  <a:defRPr/>
+                </a:pPr>
+                <a:r>
+                  <a:rPr lang="ko-KR" altLang="en-US" sz="1600" dirty="0">
+                    <a:solidFill>
+                      <a:srgbClr val="FFFFFF">
+                        <a:alpha val="58000"/>
+                      </a:srgbClr>
+                    </a:solidFill>
+                    <a:latin typeface="Malgun Gothic"/>
+                    <a:sym typeface="Wingdings" panose="05000000000000000000" pitchFamily="2" charset="2"/>
+                  </a:rPr>
+                  <a:t>모멘텀 벡터 </a:t>
+                </a:r>
+                <a:r>
+                  <a:rPr lang="en-US" altLang="ko-KR" sz="1600" dirty="0">
+                    <a:solidFill>
+                      <a:srgbClr val="FFFFFF">
+                        <a:alpha val="58000"/>
+                      </a:srgbClr>
+                    </a:solidFill>
+                    <a:latin typeface="Malgun Gothic"/>
+                    <a:sym typeface="Wingdings" panose="05000000000000000000" pitchFamily="2" charset="2"/>
+                  </a:rPr>
+                  <a:t>m, </a:t>
+                </a:r>
+                <a:r>
+                  <a:rPr lang="ko-KR" altLang="en-US" sz="1600" dirty="0">
+                    <a:solidFill>
+                      <a:srgbClr val="FFFFFF">
+                        <a:alpha val="58000"/>
+                      </a:srgbClr>
+                    </a:solidFill>
+                    <a:latin typeface="Malgun Gothic"/>
+                    <a:sym typeface="Wingdings" panose="05000000000000000000" pitchFamily="2" charset="2"/>
+                  </a:rPr>
+                  <a:t>모멘텀 </a:t>
+                </a:r>
+                <a14:m>
+                  <m:oMath xmlns:m="http://schemas.openxmlformats.org/officeDocument/2006/math">
+                    <m:r>
+                      <a:rPr lang="ko-KR" altLang="en-US" sz="1600" i="1" smtClean="0">
+                        <a:solidFill>
+                          <a:srgbClr val="FFFFFF">
+                            <a:alpha val="58000"/>
+                          </a:srgbClr>
+                        </a:solidFill>
+                        <a:latin typeface="Cambria Math" panose="02040503050406030204" pitchFamily="18" charset="0"/>
+                        <a:sym typeface="Wingdings" panose="05000000000000000000" pitchFamily="2" charset="2"/>
+                      </a:rPr>
+                      <m:t>𝛽</m:t>
+                    </m:r>
+                  </m:oMath>
+                </a14:m>
+                <a:r>
+                  <a:rPr lang="en-US" altLang="ko-KR" sz="1600" dirty="0">
+                    <a:solidFill>
+                      <a:srgbClr val="FFFFFF">
+                        <a:alpha val="58000"/>
+                      </a:srgbClr>
+                    </a:solidFill>
+                    <a:latin typeface="Malgun Gothic"/>
+                  </a:rPr>
+                  <a:t>, </a:t>
+                </a:r>
+                <a:r>
+                  <a:rPr lang="ko-KR" altLang="en-US" sz="1600" dirty="0" err="1">
+                    <a:solidFill>
+                      <a:srgbClr val="FFFFFF">
+                        <a:alpha val="58000"/>
+                      </a:srgbClr>
+                    </a:solidFill>
+                    <a:latin typeface="Malgun Gothic"/>
+                  </a:rPr>
+                  <a:t>학습률</a:t>
+                </a:r>
+                <a:r>
+                  <a:rPr lang="ko-KR" altLang="en-US" sz="1600" dirty="0">
+                    <a:solidFill>
+                      <a:srgbClr val="FFFFFF">
+                        <a:alpha val="58000"/>
+                      </a:srgbClr>
+                    </a:solidFill>
+                    <a:latin typeface="Malgun Gothic"/>
+                  </a:rPr>
+                  <a:t> </a:t>
+                </a:r>
+                <a14:m>
+                  <m:oMath xmlns:m="http://schemas.openxmlformats.org/officeDocument/2006/math">
+                    <m:r>
+                      <a:rPr lang="ko-KR" altLang="en-US" sz="1600" i="1" smtClean="0">
+                        <a:solidFill>
+                          <a:srgbClr val="FFFFFF">
+                            <a:alpha val="58000"/>
+                          </a:srgbClr>
+                        </a:solidFill>
+                        <a:latin typeface="Cambria Math" panose="02040503050406030204" pitchFamily="18" charset="0"/>
+                      </a:rPr>
+                      <m:t>𝜂</m:t>
+                    </m:r>
+                  </m:oMath>
+                </a14:m>
+                <a:r>
+                  <a:rPr lang="en-US" altLang="ko-KR" sz="1600" dirty="0">
+                    <a:solidFill>
+                      <a:srgbClr val="FFFFFF">
+                        <a:alpha val="58000"/>
+                      </a:srgbClr>
+                    </a:solidFill>
+                    <a:latin typeface="Malgun Gothic"/>
+                  </a:rPr>
+                  <a:t>, </a:t>
+                </a:r>
+                <a:r>
+                  <a:rPr lang="ko-KR" altLang="en-US" sz="1600" dirty="0">
+                    <a:solidFill>
+                      <a:srgbClr val="FFFFFF">
+                        <a:alpha val="58000"/>
+                      </a:srgbClr>
+                    </a:solidFill>
+                    <a:latin typeface="Malgun Gothic"/>
+                  </a:rPr>
+                  <a:t>비용함수 </a:t>
+                </a:r>
+                <a:r>
+                  <a:rPr lang="en-US" altLang="ko-KR" sz="1600" dirty="0">
+                    <a:solidFill>
+                      <a:srgbClr val="FFFFFF">
+                        <a:alpha val="58000"/>
+                      </a:srgbClr>
+                    </a:solidFill>
+                    <a:latin typeface="Malgun Gothic"/>
+                  </a:rPr>
+                  <a:t>J, </a:t>
+                </a:r>
+                <a:r>
+                  <a:rPr lang="ko-KR" altLang="en-US" sz="1600" dirty="0">
+                    <a:solidFill>
+                      <a:srgbClr val="FFFFFF">
+                        <a:alpha val="58000"/>
+                      </a:srgbClr>
+                    </a:solidFill>
+                    <a:latin typeface="Malgun Gothic"/>
+                  </a:rPr>
+                  <a:t>가중치 </a:t>
+                </a:r>
+                <a14:m>
+                  <m:oMath xmlns:m="http://schemas.openxmlformats.org/officeDocument/2006/math">
+                    <m:r>
+                      <a:rPr lang="ko-KR" altLang="en-US" sz="1600" i="1" smtClean="0">
+                        <a:solidFill>
+                          <a:srgbClr val="FFFFFF">
+                            <a:alpha val="58000"/>
+                          </a:srgbClr>
+                        </a:solidFill>
+                        <a:latin typeface="Cambria Math" panose="02040503050406030204" pitchFamily="18" charset="0"/>
+                      </a:rPr>
+                      <m:t>𝜃</m:t>
+                    </m:r>
+                  </m:oMath>
+                </a14:m>
+                <a:endParaRPr lang="en-US" altLang="ko-KR" sz="1600" dirty="0">
+                  <a:solidFill>
+                    <a:srgbClr val="FFFFFF">
+                      <a:alpha val="58000"/>
+                    </a:srgbClr>
+                  </a:solidFill>
+                  <a:latin typeface="Malgun Gothic"/>
+                </a:endParaRPr>
+              </a:p>
+              <a:p>
+                <a:pPr marL="0" indent="0" latinLnBrk="1">
+                  <a:buClr>
+                    <a:srgbClr val="A0A873"/>
+                  </a:buClr>
+                  <a:buNone/>
+                  <a:defRPr/>
+                </a:pPr>
+                <a:endParaRPr lang="en-US" altLang="ko-KR" sz="1600" dirty="0">
+                  <a:solidFill>
+                    <a:srgbClr val="FFFFFF">
+                      <a:alpha val="58000"/>
+                    </a:srgbClr>
+                  </a:solidFill>
+                  <a:latin typeface="Malgun Gothic"/>
+                </a:endParaRPr>
+              </a:p>
+              <a:p>
+                <a:pPr latinLnBrk="1">
+                  <a:buClr>
+                    <a:srgbClr val="A0A873"/>
+                  </a:buClr>
+                  <a:defRPr/>
+                </a:pPr>
+                <a:r>
+                  <a:rPr lang="ko-KR" altLang="en-US" sz="1600" dirty="0">
+                    <a:solidFill>
+                      <a:srgbClr val="FFFFFF">
+                        <a:alpha val="58000"/>
+                      </a:srgbClr>
+                    </a:solidFill>
+                    <a:latin typeface="Malgun Gothic"/>
+                    <a:sym typeface="Wingdings" panose="05000000000000000000" pitchFamily="2" charset="2"/>
+                  </a:rPr>
+                  <a:t>모멘텀 </a:t>
+                </a:r>
+                <a14:m>
+                  <m:oMath xmlns:m="http://schemas.openxmlformats.org/officeDocument/2006/math">
+                    <m:r>
+                      <a:rPr lang="ko-KR" altLang="en-US" sz="1600" i="1" smtClean="0">
+                        <a:solidFill>
+                          <a:srgbClr val="FFFFFF">
+                            <a:alpha val="58000"/>
+                          </a:srgbClr>
+                        </a:solidFill>
+                        <a:latin typeface="Cambria Math" panose="02040503050406030204" pitchFamily="18" charset="0"/>
+                        <a:sym typeface="Wingdings" panose="05000000000000000000" pitchFamily="2" charset="2"/>
+                      </a:rPr>
+                      <m:t>𝛽</m:t>
+                    </m:r>
+                  </m:oMath>
+                </a14:m>
+                <a:r>
+                  <a:rPr lang="ko-KR" altLang="en-US" sz="1600" dirty="0">
+                    <a:solidFill>
+                      <a:srgbClr val="FFFFFF">
+                        <a:alpha val="58000"/>
+                      </a:srgbClr>
+                    </a:solidFill>
+                    <a:latin typeface="Malgun Gothic"/>
+                  </a:rPr>
+                  <a:t>가 </a:t>
+                </a:r>
+                <a:r>
+                  <a:rPr lang="en-US" altLang="ko-KR" sz="1600" dirty="0">
+                    <a:solidFill>
+                      <a:srgbClr val="FFFFFF">
+                        <a:alpha val="58000"/>
+                      </a:srgbClr>
+                    </a:solidFill>
+                    <a:latin typeface="Malgun Gothic"/>
+                  </a:rPr>
+                  <a:t>0 </a:t>
+                </a:r>
+                <a:r>
+                  <a:rPr lang="en-US" altLang="ko-KR" sz="1600" dirty="0">
+                    <a:solidFill>
+                      <a:srgbClr val="FFFFFF">
+                        <a:alpha val="58000"/>
+                      </a:srgbClr>
+                    </a:solidFill>
+                    <a:latin typeface="Malgun Gothic"/>
+                    <a:sym typeface="Wingdings" panose="05000000000000000000" pitchFamily="2" charset="2"/>
+                  </a:rPr>
+                  <a:t></a:t>
+                </a:r>
+                <a:r>
+                  <a:rPr lang="ko-KR" altLang="en-US" sz="1600" dirty="0">
+                    <a:solidFill>
+                      <a:srgbClr val="FFFFFF">
+                        <a:alpha val="58000"/>
+                      </a:srgbClr>
+                    </a:solidFill>
+                    <a:latin typeface="Malgun Gothic"/>
+                  </a:rPr>
+                  <a:t> 표준적인 </a:t>
+                </a:r>
+                <a:r>
+                  <a:rPr lang="ko-KR" altLang="en-US" sz="1600" dirty="0" err="1">
+                    <a:solidFill>
+                      <a:srgbClr val="FFFFFF">
+                        <a:alpha val="58000"/>
+                      </a:srgbClr>
+                    </a:solidFill>
+                    <a:latin typeface="Malgun Gothic"/>
+                  </a:rPr>
+                  <a:t>경사하강법과</a:t>
+                </a:r>
+                <a:r>
+                  <a:rPr lang="ko-KR" altLang="en-US" sz="1600" dirty="0">
+                    <a:solidFill>
+                      <a:srgbClr val="FFFFFF">
+                        <a:alpha val="58000"/>
+                      </a:srgbClr>
+                    </a:solidFill>
+                    <a:latin typeface="Malgun Gothic"/>
+                  </a:rPr>
+                  <a:t> 동일</a:t>
+                </a:r>
+                <a:endParaRPr lang="en-US" altLang="ko-KR" sz="1600" dirty="0">
+                  <a:solidFill>
+                    <a:srgbClr val="FFFFFF">
+                      <a:alpha val="58000"/>
+                    </a:srgbClr>
+                  </a:solidFill>
+                  <a:latin typeface="Malgun Gothic"/>
+                </a:endParaRPr>
+              </a:p>
+              <a:p>
+                <a:pPr latinLnBrk="1">
+                  <a:buClr>
+                    <a:srgbClr val="A0A873"/>
+                  </a:buClr>
+                  <a:defRPr/>
+                </a:pPr>
+                <a:r>
+                  <a:rPr lang="ko-KR" altLang="en-US" sz="1600" dirty="0">
+                    <a:solidFill>
+                      <a:srgbClr val="FFFFFF">
+                        <a:alpha val="58000"/>
+                      </a:srgbClr>
+                    </a:solidFill>
+                    <a:latin typeface="Malgun Gothic"/>
+                    <a:sym typeface="Wingdings" panose="05000000000000000000" pitchFamily="2" charset="2"/>
+                  </a:rPr>
+                  <a:t>모멘텀 </a:t>
+                </a:r>
+                <a14:m>
+                  <m:oMath xmlns:m="http://schemas.openxmlformats.org/officeDocument/2006/math">
+                    <m:r>
+                      <a:rPr lang="ko-KR" altLang="en-US" sz="1600" i="1" smtClean="0">
+                        <a:solidFill>
+                          <a:srgbClr val="FFFFFF">
+                            <a:alpha val="58000"/>
+                          </a:srgbClr>
+                        </a:solidFill>
+                        <a:latin typeface="Cambria Math" panose="02040503050406030204" pitchFamily="18" charset="0"/>
+                        <a:sym typeface="Wingdings" panose="05000000000000000000" pitchFamily="2" charset="2"/>
+                      </a:rPr>
+                      <m:t>𝛽</m:t>
+                    </m:r>
+                  </m:oMath>
+                </a14:m>
+                <a:r>
+                  <a:rPr lang="ko-KR" altLang="en-US" sz="1600" dirty="0">
+                    <a:solidFill>
+                      <a:srgbClr val="FFFFFF">
+                        <a:alpha val="58000"/>
+                      </a:srgbClr>
+                    </a:solidFill>
+                    <a:latin typeface="Malgun Gothic"/>
+                  </a:rPr>
+                  <a:t>가 </a:t>
+                </a:r>
+                <a:r>
+                  <a:rPr lang="en-US" altLang="ko-KR" sz="1600" dirty="0">
+                    <a:solidFill>
+                      <a:srgbClr val="FFFFFF">
+                        <a:alpha val="58000"/>
+                      </a:srgbClr>
+                    </a:solidFill>
+                    <a:latin typeface="Malgun Gothic"/>
+                  </a:rPr>
+                  <a:t>1 </a:t>
+                </a:r>
+                <a:r>
+                  <a:rPr lang="en-US" altLang="ko-KR" sz="1600" dirty="0">
+                    <a:solidFill>
+                      <a:srgbClr val="FFFFFF">
+                        <a:alpha val="58000"/>
+                      </a:srgbClr>
+                    </a:solidFill>
+                    <a:latin typeface="Malgun Gothic"/>
+                    <a:sym typeface="Wingdings" panose="05000000000000000000" pitchFamily="2" charset="2"/>
+                  </a:rPr>
+                  <a:t></a:t>
+                </a:r>
+                <a:r>
+                  <a:rPr lang="ko-KR" altLang="en-US" sz="1600" dirty="0">
+                    <a:solidFill>
+                      <a:srgbClr val="FFFFFF">
+                        <a:alpha val="58000"/>
+                      </a:srgbClr>
+                    </a:solidFill>
+                    <a:latin typeface="Malgun Gothic"/>
+                  </a:rPr>
+                  <a:t> 이전 </a:t>
+                </a:r>
+                <a:r>
+                  <a:rPr lang="ko-KR" altLang="en-US" sz="1600" dirty="0" err="1">
+                    <a:solidFill>
+                      <a:srgbClr val="FFFFFF">
+                        <a:alpha val="58000"/>
+                      </a:srgbClr>
+                    </a:solidFill>
+                    <a:latin typeface="Malgun Gothic"/>
+                  </a:rPr>
+                  <a:t>그래디언트의</a:t>
+                </a:r>
+                <a:r>
+                  <a:rPr lang="ko-KR" altLang="en-US" sz="1600" dirty="0">
+                    <a:solidFill>
+                      <a:srgbClr val="FFFFFF">
+                        <a:alpha val="58000"/>
+                      </a:srgbClr>
+                    </a:solidFill>
+                    <a:latin typeface="Malgun Gothic"/>
+                  </a:rPr>
+                  <a:t> 영향이 증가</a:t>
+                </a:r>
+                <a:endParaRPr lang="en-US" altLang="ko-KR" sz="1600" dirty="0">
+                  <a:solidFill>
+                    <a:srgbClr val="FFFFFF">
+                      <a:alpha val="58000"/>
+                    </a:srgbClr>
+                  </a:solidFill>
+                  <a:latin typeface="Malgun Gothic"/>
+                </a:endParaRPr>
+              </a:p>
+              <a:p>
+                <a:pPr latinLnBrk="1">
+                  <a:buClr>
+                    <a:srgbClr val="A0A873"/>
+                  </a:buClr>
+                  <a:defRPr/>
+                </a:pPr>
+                <a:r>
+                  <a:rPr lang="ko-KR" altLang="en-US" sz="1600" dirty="0">
+                    <a:solidFill>
+                      <a:srgbClr val="FFFFFF">
+                        <a:alpha val="58000"/>
+                      </a:srgbClr>
+                    </a:solidFill>
+                    <a:latin typeface="Malgun Gothic"/>
+                  </a:rPr>
+                  <a:t>일반적으로 </a:t>
+                </a:r>
+                <a:r>
+                  <a:rPr lang="ko-KR" altLang="en-US" sz="1600" dirty="0">
+                    <a:solidFill>
+                      <a:srgbClr val="FFFFFF">
+                        <a:alpha val="58000"/>
+                      </a:srgbClr>
+                    </a:solidFill>
+                    <a:latin typeface="Malgun Gothic"/>
+                    <a:sym typeface="Wingdings" panose="05000000000000000000" pitchFamily="2" charset="2"/>
+                  </a:rPr>
+                  <a:t>모멘텀 </a:t>
+                </a:r>
+                <a14:m>
+                  <m:oMath xmlns:m="http://schemas.openxmlformats.org/officeDocument/2006/math">
+                    <m:r>
+                      <a:rPr lang="ko-KR" altLang="en-US" sz="1600" i="1" smtClean="0">
+                        <a:solidFill>
+                          <a:srgbClr val="FFFFFF">
+                            <a:alpha val="58000"/>
+                          </a:srgbClr>
+                        </a:solidFill>
+                        <a:latin typeface="Cambria Math" panose="02040503050406030204" pitchFamily="18" charset="0"/>
+                        <a:sym typeface="Wingdings" panose="05000000000000000000" pitchFamily="2" charset="2"/>
+                      </a:rPr>
+                      <m:t>𝛽</m:t>
+                    </m:r>
+                  </m:oMath>
+                </a14:m>
+                <a:r>
+                  <a:rPr lang="ko-KR" altLang="en-US" sz="1600" dirty="0">
+                    <a:solidFill>
+                      <a:srgbClr val="FFFFFF">
+                        <a:alpha val="58000"/>
+                      </a:srgbClr>
+                    </a:solidFill>
+                    <a:latin typeface="Malgun Gothic"/>
+                  </a:rPr>
+                  <a:t>는 </a:t>
+                </a:r>
+                <a:r>
+                  <a:rPr lang="en-US" altLang="ko-KR" sz="1600" dirty="0">
+                    <a:solidFill>
+                      <a:srgbClr val="FFFFFF">
+                        <a:alpha val="58000"/>
+                      </a:srgbClr>
+                    </a:solidFill>
+                    <a:latin typeface="Malgun Gothic"/>
+                  </a:rPr>
+                  <a:t>0.9 </a:t>
+                </a:r>
+                <a:r>
+                  <a:rPr lang="ko-KR" altLang="en-US" sz="1600" dirty="0">
+                    <a:solidFill>
+                      <a:srgbClr val="FFFFFF">
+                        <a:alpha val="58000"/>
+                      </a:srgbClr>
+                    </a:solidFill>
+                    <a:latin typeface="Malgun Gothic"/>
+                  </a:rPr>
+                  <a:t>사용</a:t>
+                </a:r>
+                <a:endParaRPr lang="en-US" altLang="ko-KR" sz="1600" dirty="0">
+                  <a:solidFill>
+                    <a:srgbClr val="FFFFFF">
+                      <a:alpha val="58000"/>
+                    </a:srgbClr>
+                  </a:solidFill>
+                  <a:latin typeface="Malgun Gothic"/>
+                </a:endParaRPr>
+              </a:p>
+              <a:p>
+                <a:pPr latinLnBrk="1">
+                  <a:buClr>
+                    <a:srgbClr val="A0A873"/>
+                  </a:buClr>
+                  <a:defRPr/>
+                </a:pPr>
+                <a:r>
+                  <a:rPr lang="ko-KR" altLang="en-US" sz="1600" dirty="0">
+                    <a:solidFill>
+                      <a:srgbClr val="FFFFFF">
+                        <a:alpha val="58000"/>
+                      </a:srgbClr>
+                    </a:solidFill>
+                    <a:latin typeface="Malgun Gothic"/>
+                  </a:rPr>
+                  <a:t>효과</a:t>
+                </a:r>
+                <a:r>
+                  <a:rPr lang="en-US" altLang="ko-KR" sz="1600" dirty="0">
+                    <a:solidFill>
+                      <a:srgbClr val="FFFFFF">
+                        <a:alpha val="58000"/>
+                      </a:srgbClr>
+                    </a:solidFill>
+                    <a:latin typeface="Malgun Gothic"/>
+                  </a:rPr>
+                  <a:t>: Local</a:t>
+                </a:r>
+                <a:r>
+                  <a:rPr lang="ko-KR" altLang="en-US" sz="1600" dirty="0">
+                    <a:solidFill>
+                      <a:srgbClr val="FFFFFF">
+                        <a:alpha val="58000"/>
+                      </a:srgbClr>
+                    </a:solidFill>
+                    <a:latin typeface="Malgun Gothic"/>
+                  </a:rPr>
+                  <a:t> </a:t>
+                </a:r>
+                <a:r>
+                  <a:rPr lang="en-US" altLang="ko-KR" sz="1600" dirty="0">
+                    <a:solidFill>
+                      <a:srgbClr val="FFFFFF">
+                        <a:alpha val="58000"/>
+                      </a:srgbClr>
+                    </a:solidFill>
+                    <a:latin typeface="Malgun Gothic"/>
+                  </a:rPr>
+                  <a:t>minimum</a:t>
+                </a:r>
+                <a:r>
+                  <a:rPr lang="ko-KR" altLang="en-US" sz="1600" dirty="0">
+                    <a:solidFill>
+                      <a:srgbClr val="FFFFFF">
+                        <a:alpha val="58000"/>
+                      </a:srgbClr>
+                    </a:solidFill>
+                    <a:latin typeface="Malgun Gothic"/>
+                  </a:rPr>
+                  <a:t>에 빠지지 않도록 도움</a:t>
+                </a:r>
+                <a:endParaRPr lang="en-US" altLang="ko-KR" sz="1600" dirty="0">
+                  <a:solidFill>
+                    <a:srgbClr val="FFFFFF">
+                      <a:alpha val="58000"/>
+                    </a:srgbClr>
+                  </a:solidFill>
+                  <a:latin typeface="Malgun Gothic"/>
+                </a:endParaRPr>
+              </a:p>
+            </p:txBody>
+          </p:sp>
+        </mc:Choice>
+        <mc:Fallback>
+          <p:sp>
+            <p:nvSpPr>
+              <p:cNvPr id="3" name="내용 개체 틀 2">
+                <a:extLst>
+                  <a:ext uri="{FF2B5EF4-FFF2-40B4-BE49-F238E27FC236}">
+                    <a16:creationId xmlns:a16="http://schemas.microsoft.com/office/drawing/2014/main" id="{3BC12B0C-89A4-4F11-86D3-EA9B32152E74}"/>
+                  </a:ext>
+                </a:extLst>
+              </p:cNvPr>
+              <p:cNvSpPr>
+                <a:spLocks noGrp="1" noRot="1" noChangeAspect="1" noMove="1" noResize="1" noEditPoints="1" noAdjustHandles="1" noChangeArrowheads="1" noChangeShapeType="1" noTextEdit="1"/>
+              </p:cNvSpPr>
+              <p:nvPr>
+                <p:ph idx="1"/>
+              </p:nvPr>
+            </p:nvSpPr>
+            <p:spPr>
+              <a:xfrm>
+                <a:off x="719999" y="1339195"/>
+                <a:ext cx="7579939" cy="5158319"/>
+              </a:xfrm>
+              <a:blipFill>
+                <a:blip r:embed="rId2"/>
+                <a:stretch>
+                  <a:fillRect l="-161"/>
+                </a:stretch>
+              </a:blipFill>
+            </p:spPr>
+            <p:txBody>
+              <a:bodyPr/>
+              <a:lstStyle/>
+              <a:p>
+                <a:r>
+                  <a:rPr lang="ko-KR" altLang="en-US">
+                    <a:noFill/>
+                  </a:rPr>
+                  <a:t> </a:t>
+                </a:r>
+              </a:p>
+            </p:txBody>
+          </p:sp>
+        </mc:Fallback>
+      </mc:AlternateContent>
+      <p:pic>
+        <p:nvPicPr>
+          <p:cNvPr id="5" name="그림 4">
+            <a:extLst>
+              <a:ext uri="{FF2B5EF4-FFF2-40B4-BE49-F238E27FC236}">
+                <a16:creationId xmlns:a16="http://schemas.microsoft.com/office/drawing/2014/main" id="{00CBA0B1-129F-49E7-8937-003AAA120845}"/>
+              </a:ext>
+            </a:extLst>
+          </p:cNvPr>
+          <p:cNvPicPr>
+            <a:picLocks noChangeAspect="1"/>
+          </p:cNvPicPr>
+          <p:nvPr/>
+        </p:nvPicPr>
+        <p:blipFill>
+          <a:blip r:embed="rId3"/>
+          <a:stretch>
+            <a:fillRect/>
+          </a:stretch>
+        </p:blipFill>
+        <p:spPr>
+          <a:xfrm>
+            <a:off x="8637520" y="2478357"/>
+            <a:ext cx="2473220" cy="1440000"/>
+          </a:xfrm>
+          <a:prstGeom prst="rect">
+            <a:avLst/>
+          </a:prstGeom>
+        </p:spPr>
+      </p:pic>
+      <p:pic>
+        <p:nvPicPr>
+          <p:cNvPr id="7" name="그림 6">
+            <a:extLst>
+              <a:ext uri="{FF2B5EF4-FFF2-40B4-BE49-F238E27FC236}">
+                <a16:creationId xmlns:a16="http://schemas.microsoft.com/office/drawing/2014/main" id="{939AC25D-B9D7-4914-B1FA-BFF278ED7219}"/>
+              </a:ext>
+            </a:extLst>
+          </p:cNvPr>
+          <p:cNvPicPr>
+            <a:picLocks noChangeAspect="1"/>
+          </p:cNvPicPr>
+          <p:nvPr/>
+        </p:nvPicPr>
+        <p:blipFill>
+          <a:blip r:embed="rId4"/>
+          <a:stretch>
+            <a:fillRect/>
+          </a:stretch>
+        </p:blipFill>
+        <p:spPr>
+          <a:xfrm>
+            <a:off x="5783507" y="4545112"/>
+            <a:ext cx="3202232" cy="2137040"/>
+          </a:xfrm>
+          <a:prstGeom prst="rect">
+            <a:avLst/>
+          </a:prstGeom>
+        </p:spPr>
+      </p:pic>
+    </p:spTree>
+    <p:extLst>
+      <p:ext uri="{BB962C8B-B14F-4D97-AF65-F5344CB8AC3E}">
+        <p14:creationId xmlns:p14="http://schemas.microsoft.com/office/powerpoint/2010/main" val="4284005861"/>
+      </p:ext>
+    </p:extLst>
+  </p:cSld>
+  <p:clrMapOvr>
+    <a:masterClrMapping/>
+  </p:clrMapOvr>
+</p:sld>
+</file>
+
+<file path=ppt/slides/slide8.xml><?xml version="1.0" encoding="utf-8"?>
+<p:sld xmlns:a="http://schemas.openxmlformats.org/drawingml/2006/main" xmlns:r="http://schemas.openxmlformats.org/officeDocument/2006/relationships" xmlns:p="http://schemas.openxmlformats.org/presentationml/2006/main">
+  <p:cSld>
+    <p:spTree>
+      <p:nvGrpSpPr>
+        <p:cNvPr id="1" name=""/>
+        <p:cNvGrpSpPr/>
+        <p:nvPr/>
+      </p:nvGrpSpPr>
+      <p:grpSpPr>
+        <a:xfrm>
+          <a:off x="0" y="0"/>
+          <a:ext cx="0" cy="0"/>
+          <a:chOff x="0" y="0"/>
+          <a:chExt cx="0" cy="0"/>
+        </a:xfrm>
+      </p:grpSpPr>
+      <p:sp>
+        <p:nvSpPr>
+          <p:cNvPr id="2" name="제목 1">
+            <a:extLst>
+              <a:ext uri="{FF2B5EF4-FFF2-40B4-BE49-F238E27FC236}">
+                <a16:creationId xmlns:a16="http://schemas.microsoft.com/office/drawing/2014/main" id="{6F35713C-7523-4BE5-8BF0-E90C3D697D14}"/>
+              </a:ext>
+            </a:extLst>
+          </p:cNvPr>
+          <p:cNvSpPr>
+            <a:spLocks noGrp="1"/>
+          </p:cNvSpPr>
+          <p:nvPr>
+            <p:ph type="title"/>
+          </p:nvPr>
+        </p:nvSpPr>
+        <p:spPr>
+          <a:xfrm>
+            <a:off x="720000" y="619200"/>
+            <a:ext cx="10728322" cy="720000"/>
+          </a:xfrm>
+        </p:spPr>
+        <p:txBody>
+          <a:bodyPr/>
+          <a:lstStyle/>
+          <a:p>
+            <a:r>
+              <a:rPr lang="en-US" altLang="ko-KR" dirty="0"/>
+              <a:t>11.3.1.</a:t>
+            </a:r>
+            <a:r>
+              <a:rPr lang="ko-KR" altLang="en-US" dirty="0"/>
+              <a:t> 모멘텀 최적화</a:t>
+            </a:r>
+          </a:p>
+        </p:txBody>
+      </p:sp>
+      <p:sp>
+        <p:nvSpPr>
+          <p:cNvPr id="3" name="내용 개체 틀 2">
+            <a:extLst>
+              <a:ext uri="{FF2B5EF4-FFF2-40B4-BE49-F238E27FC236}">
+                <a16:creationId xmlns:a16="http://schemas.microsoft.com/office/drawing/2014/main" id="{3BC12B0C-89A4-4F11-86D3-EA9B32152E74}"/>
+              </a:ext>
+            </a:extLst>
+          </p:cNvPr>
+          <p:cNvSpPr>
+            <a:spLocks noGrp="1"/>
+          </p:cNvSpPr>
+          <p:nvPr>
+            <p:ph idx="1"/>
+          </p:nvPr>
+        </p:nvSpPr>
+        <p:spPr>
+          <a:xfrm>
+            <a:off x="719999" y="1339195"/>
+            <a:ext cx="10800000" cy="5158319"/>
+          </a:xfrm>
+        </p:spPr>
+        <p:txBody>
+          <a:bodyPr/>
+          <a:lstStyle/>
+          <a:p>
+            <a:pPr marL="228600" marR="0" lvl="0" indent="-228600" algn="l" defTabSz="914400" rtl="0" eaLnBrk="1" fontAlgn="auto" latinLnBrk="1" hangingPunct="1">
+              <a:lnSpc>
+                <a:spcPct val="120000"/>
+              </a:lnSpc>
+              <a:spcBef>
+                <a:spcPts val="1000"/>
+              </a:spcBef>
+              <a:spcAft>
+                <a:spcPts val="0"/>
+              </a:spcAft>
+              <a:buClr>
+                <a:srgbClr val="A0A873"/>
+              </a:buClr>
+              <a:buSzTx/>
+              <a:buFont typeface="The Hand Extrablack" panose="03070A02030502020204" pitchFamily="66" charset="0"/>
+              <a:buChar char="•"/>
+              <a:tabLst/>
+              <a:defRPr/>
+            </a:pPr>
+            <a:r>
+              <a:rPr lang="ko-KR" altLang="en-US" sz="1600" dirty="0">
+                <a:solidFill>
+                  <a:srgbClr val="FFFFFF">
+                    <a:alpha val="58000"/>
+                  </a:srgbClr>
+                </a:solidFill>
+                <a:latin typeface="Malgun Gothic"/>
+              </a:rPr>
+              <a:t>구현</a:t>
+            </a:r>
+            <a:endParaRPr lang="en-US" altLang="ko-KR" sz="1600" dirty="0">
+              <a:solidFill>
+                <a:srgbClr val="FFFFFF">
+                  <a:alpha val="58000"/>
+                </a:srgbClr>
+              </a:solidFill>
+              <a:latin typeface="Malgun Gothic"/>
+            </a:endParaRPr>
+          </a:p>
+          <a:p>
+            <a:pPr marL="0" marR="0" lvl="0" indent="0" algn="ctr" defTabSz="914400" rtl="0" eaLnBrk="1" fontAlgn="auto" latinLnBrk="1" hangingPunct="1">
+              <a:lnSpc>
+                <a:spcPct val="120000"/>
+              </a:lnSpc>
+              <a:spcBef>
+                <a:spcPts val="1000"/>
+              </a:spcBef>
+              <a:spcAft>
+                <a:spcPts val="0"/>
+              </a:spcAft>
+              <a:buClr>
+                <a:srgbClr val="A0A873"/>
+              </a:buClr>
+              <a:buSzTx/>
+              <a:buNone/>
+              <a:tabLst/>
+              <a:defRPr/>
+            </a:pPr>
+            <a:r>
+              <a:rPr lang="en-US" altLang="ko-KR" sz="1600" dirty="0">
+                <a:latin typeface="Malgun Gothic"/>
+              </a:rPr>
+              <a:t>optimizer = </a:t>
+            </a:r>
+            <a:r>
+              <a:rPr lang="en-US" altLang="ko-KR" sz="1600" dirty="0" err="1">
+                <a:latin typeface="Malgun Gothic"/>
+              </a:rPr>
+              <a:t>keras.optimizers.SGD</a:t>
+            </a:r>
+            <a:r>
+              <a:rPr lang="en-US" altLang="ko-KR" sz="1600" dirty="0">
+                <a:latin typeface="Malgun Gothic"/>
+              </a:rPr>
+              <a:t>(</a:t>
+            </a:r>
+            <a:r>
+              <a:rPr lang="en-US" altLang="ko-KR" sz="1600" dirty="0" err="1">
+                <a:latin typeface="Malgun Gothic"/>
+              </a:rPr>
+              <a:t>lr</a:t>
+            </a:r>
+            <a:r>
+              <a:rPr lang="en-US" altLang="ko-KR" sz="1600" dirty="0">
+                <a:latin typeface="Malgun Gothic"/>
+              </a:rPr>
+              <a:t> = 0.001, </a:t>
+            </a:r>
+            <a:r>
+              <a:rPr lang="en-US" altLang="ko-KR" sz="1600" b="1" dirty="0">
+                <a:latin typeface="Malgun Gothic"/>
+              </a:rPr>
+              <a:t>momentum = 0.9</a:t>
+            </a:r>
+            <a:r>
+              <a:rPr lang="en-US" altLang="ko-KR" sz="1600" dirty="0">
+                <a:latin typeface="Malgun Gothic"/>
+              </a:rPr>
+              <a:t>)</a:t>
+            </a:r>
+          </a:p>
+          <a:p>
+            <a:pPr marL="0" marR="0" lvl="0" indent="0" algn="l" defTabSz="914400" rtl="0" eaLnBrk="1" fontAlgn="auto" latinLnBrk="1" hangingPunct="1">
+              <a:lnSpc>
+                <a:spcPct val="120000"/>
+              </a:lnSpc>
+              <a:spcBef>
+                <a:spcPts val="1000"/>
+              </a:spcBef>
+              <a:spcAft>
+                <a:spcPts val="0"/>
+              </a:spcAft>
+              <a:buClr>
+                <a:srgbClr val="A0A873"/>
+              </a:buClr>
+              <a:buSzTx/>
+              <a:buNone/>
+              <a:tabLst/>
+              <a:defRPr/>
+            </a:pPr>
+            <a:endParaRPr lang="en-US" altLang="ko-KR" sz="1600" dirty="0">
+              <a:solidFill>
+                <a:srgbClr val="FFFFFF">
+                  <a:alpha val="58000"/>
+                </a:srgbClr>
+              </a:solidFill>
+              <a:latin typeface="Malgun Gothic"/>
+            </a:endParaRPr>
+          </a:p>
+        </p:txBody>
+      </p:sp>
+      <p:pic>
+        <p:nvPicPr>
+          <p:cNvPr id="6" name="그림 5">
+            <a:extLst>
+              <a:ext uri="{FF2B5EF4-FFF2-40B4-BE49-F238E27FC236}">
+                <a16:creationId xmlns:a16="http://schemas.microsoft.com/office/drawing/2014/main" id="{D956EAD6-1444-4B2A-97EA-E86DAAD96C74}"/>
+              </a:ext>
+            </a:extLst>
+          </p:cNvPr>
+          <p:cNvPicPr>
+            <a:picLocks noChangeAspect="1"/>
+          </p:cNvPicPr>
+          <p:nvPr/>
+        </p:nvPicPr>
+        <p:blipFill>
+          <a:blip r:embed="rId2"/>
+          <a:stretch>
+            <a:fillRect/>
+          </a:stretch>
+        </p:blipFill>
+        <p:spPr>
+          <a:xfrm>
+            <a:off x="946786" y="2638800"/>
+            <a:ext cx="5867107" cy="3600000"/>
+          </a:xfrm>
+          <a:prstGeom prst="rect">
+            <a:avLst/>
+          </a:prstGeom>
+        </p:spPr>
+      </p:pic>
+      <p:pic>
+        <p:nvPicPr>
+          <p:cNvPr id="1026" name="Picture 2" descr="8.3 BasicOptimizn">
+            <a:extLst>
+              <a:ext uri="{FF2B5EF4-FFF2-40B4-BE49-F238E27FC236}">
+                <a16:creationId xmlns:a16="http://schemas.microsoft.com/office/drawing/2014/main" id="{9CF85BD7-7CDB-4978-9969-1149D92EBCFD}"/>
+              </a:ext>
+            </a:extLst>
+          </p:cNvPr>
+          <p:cNvPicPr>
+            <a:picLocks noChangeAspect="1" noChangeArrowheads="1"/>
+          </p:cNvPicPr>
+          <p:nvPr/>
+        </p:nvPicPr>
+        <p:blipFill>
+          <a:blip r:embed="rId3">
+            <a:extLst>
+              <a:ext uri="{28A0092B-C50C-407E-A947-70E740481C1C}">
+                <a14:useLocalDpi xmlns:a14="http://schemas.microsoft.com/office/drawing/2010/main" val="0"/>
+              </a:ext>
+            </a:extLst>
+          </a:blip>
+          <a:srcRect/>
+          <a:stretch>
+            <a:fillRect/>
+          </a:stretch>
+        </p:blipFill>
+        <p:spPr bwMode="auto">
+          <a:xfrm>
+            <a:off x="7571641" y="3578470"/>
+            <a:ext cx="3600000" cy="1374725"/>
+          </a:xfrm>
+          <a:prstGeom prst="rect">
+            <a:avLst/>
+          </a:prstGeom>
+          <a:noFill/>
+          <a:extLst>
+            <a:ext uri="{909E8E84-426E-40DD-AFC4-6F175D3DCCD1}">
+              <a14:hiddenFill xmlns:a14="http://schemas.microsoft.com/office/drawing/2010/main">
+                <a:solidFill>
+                  <a:srgbClr val="FFFFFF"/>
+                </a:solidFill>
+              </a14:hiddenFill>
+            </a:ext>
+          </a:extLst>
+        </p:spPr>
+      </p:pic>
+    </p:spTree>
+    <p:extLst>
+      <p:ext uri="{BB962C8B-B14F-4D97-AF65-F5344CB8AC3E}">
+        <p14:creationId xmlns:p14="http://schemas.microsoft.com/office/powerpoint/2010/main" val="2101048249"/>
       </p:ext>
     </p:extLst>
   </p:cSld>
